--- a/ppt 16-9/0827.一席谈.pptx
+++ b/ppt 16-9/0827.一席谈.pptx
@@ -5,7 +5,7 @@
     <p:sldMasterId id="2147483648" r:id="rId1"/>
   </p:sldMasterIdLst>
   <p:sldIdLst>
-    <p:sldId id="2110" r:id="rId2"/>
+    <p:sldId id="2112" r:id="rId2"/>
   </p:sldIdLst>
   <p:sldSz cx="12192000" cy="6858000"/>
   <p:notesSz cx="6858000" cy="9144000"/>
@@ -129,7 +129,7 @@
           <p:cNvPr id="2" name="标题 1">
             <a:extLst>
               <a:ext uri="{FF2B5EF4-FFF2-40B4-BE49-F238E27FC236}">
-                <a16:creationId xmlns:a16="http://schemas.microsoft.com/office/drawing/2014/main" id="{C7309ADA-1B66-5728-6B6C-581F29F00295}"/>
+                <a16:creationId xmlns:a16="http://schemas.microsoft.com/office/drawing/2014/main" id="{326FEC31-72BC-CA94-EA47-1636D2B17F45}"/>
               </a:ext>
             </a:extLst>
           </p:cNvPr>
@@ -166,7 +166,7 @@
           <p:cNvPr id="3" name="副标题 2">
             <a:extLst>
               <a:ext uri="{FF2B5EF4-FFF2-40B4-BE49-F238E27FC236}">
-                <a16:creationId xmlns:a16="http://schemas.microsoft.com/office/drawing/2014/main" id="{B6FD2588-B6A0-8222-43FA-8EA0EF324717}"/>
+                <a16:creationId xmlns:a16="http://schemas.microsoft.com/office/drawing/2014/main" id="{F48318D2-F1D8-7CAA-3C9D-9E309940DFA2}"/>
               </a:ext>
             </a:extLst>
           </p:cNvPr>
@@ -236,7 +236,7 @@
           <p:cNvPr id="4" name="日期占位符 3">
             <a:extLst>
               <a:ext uri="{FF2B5EF4-FFF2-40B4-BE49-F238E27FC236}">
-                <a16:creationId xmlns:a16="http://schemas.microsoft.com/office/drawing/2014/main" id="{AB2038E2-8DB0-A729-E625-D857026D034A}"/>
+                <a16:creationId xmlns:a16="http://schemas.microsoft.com/office/drawing/2014/main" id="{41274A35-CD91-D73D-7FBF-5AB20EA4EC89}"/>
               </a:ext>
             </a:extLst>
           </p:cNvPr>
@@ -252,7 +252,7 @@
           <a:bodyPr/>
           <a:lstStyle/>
           <a:p>
-            <a:fld id="{BE5EA618-258D-4E4F-B2E1-34040D111050}" type="datetimeFigureOut">
+            <a:fld id="{13C88809-A462-45EC-A1B9-467519895709}" type="datetimeFigureOut">
               <a:rPr lang="zh-CN" altLang="en-US" smtClean="0"/>
               <a:t>2024/3/10</a:t>
             </a:fld>
@@ -265,7 +265,7 @@
           <p:cNvPr id="5" name="页脚占位符 4">
             <a:extLst>
               <a:ext uri="{FF2B5EF4-FFF2-40B4-BE49-F238E27FC236}">
-                <a16:creationId xmlns:a16="http://schemas.microsoft.com/office/drawing/2014/main" id="{94548F5D-D250-D962-ECF2-8D8B70D5EA8C}"/>
+                <a16:creationId xmlns:a16="http://schemas.microsoft.com/office/drawing/2014/main" id="{960F4347-FC3E-5973-4CB1-903005CBDB66}"/>
               </a:ext>
             </a:extLst>
           </p:cNvPr>
@@ -290,7 +290,7 @@
           <p:cNvPr id="6" name="灯片编号占位符 5">
             <a:extLst>
               <a:ext uri="{FF2B5EF4-FFF2-40B4-BE49-F238E27FC236}">
-                <a16:creationId xmlns:a16="http://schemas.microsoft.com/office/drawing/2014/main" id="{63D94980-374A-2DB5-2F99-A5C5C2D75300}"/>
+                <a16:creationId xmlns:a16="http://schemas.microsoft.com/office/drawing/2014/main" id="{EA0E36B0-4290-00E0-BCDE-4FD272B40B2E}"/>
               </a:ext>
             </a:extLst>
           </p:cNvPr>
@@ -306,7 +306,7 @@
           <a:bodyPr/>
           <a:lstStyle/>
           <a:p>
-            <a:fld id="{AA1086AE-1391-4271-B04D-D94AB26E7740}" type="slidenum">
+            <a:fld id="{626F364F-93EE-4255-B233-721DD3264CDB}" type="slidenum">
               <a:rPr lang="zh-CN" altLang="en-US" smtClean="0"/>
               <a:t>‹#›</a:t>
             </a:fld>
@@ -317,7 +317,7 @@
     </p:spTree>
     <p:extLst>
       <p:ext uri="{BB962C8B-B14F-4D97-AF65-F5344CB8AC3E}">
-        <p14:creationId xmlns:p14="http://schemas.microsoft.com/office/powerpoint/2010/main" val="4053739205"/>
+        <p14:creationId xmlns:p14="http://schemas.microsoft.com/office/powerpoint/2010/main" val="2399882474"/>
       </p:ext>
     </p:extLst>
   </p:cSld>
@@ -349,7 +349,7 @@
           <p:cNvPr id="2" name="标题 1">
             <a:extLst>
               <a:ext uri="{FF2B5EF4-FFF2-40B4-BE49-F238E27FC236}">
-                <a16:creationId xmlns:a16="http://schemas.microsoft.com/office/drawing/2014/main" id="{CA8B0CB2-6D5D-80DD-E7DE-9816676DB453}"/>
+                <a16:creationId xmlns:a16="http://schemas.microsoft.com/office/drawing/2014/main" id="{C027ADEC-53A5-4DB6-0B66-B83757B9967B}"/>
               </a:ext>
             </a:extLst>
           </p:cNvPr>
@@ -377,7 +377,7 @@
           <p:cNvPr id="3" name="竖排文字占位符 2">
             <a:extLst>
               <a:ext uri="{FF2B5EF4-FFF2-40B4-BE49-F238E27FC236}">
-                <a16:creationId xmlns:a16="http://schemas.microsoft.com/office/drawing/2014/main" id="{19D31176-7347-17E8-AACC-AF6CAA0E1C8D}"/>
+                <a16:creationId xmlns:a16="http://schemas.microsoft.com/office/drawing/2014/main" id="{AFD0ACDE-797E-C779-8FB2-5DB2014A0793}"/>
               </a:ext>
             </a:extLst>
           </p:cNvPr>
@@ -434,7 +434,7 @@
           <p:cNvPr id="4" name="日期占位符 3">
             <a:extLst>
               <a:ext uri="{FF2B5EF4-FFF2-40B4-BE49-F238E27FC236}">
-                <a16:creationId xmlns:a16="http://schemas.microsoft.com/office/drawing/2014/main" id="{C575EAF1-BF80-8A04-C442-EF4A252F6364}"/>
+                <a16:creationId xmlns:a16="http://schemas.microsoft.com/office/drawing/2014/main" id="{CE49742F-C26F-014F-B6BA-0B9626796827}"/>
               </a:ext>
             </a:extLst>
           </p:cNvPr>
@@ -450,7 +450,7 @@
           <a:bodyPr/>
           <a:lstStyle/>
           <a:p>
-            <a:fld id="{BE5EA618-258D-4E4F-B2E1-34040D111050}" type="datetimeFigureOut">
+            <a:fld id="{13C88809-A462-45EC-A1B9-467519895709}" type="datetimeFigureOut">
               <a:rPr lang="zh-CN" altLang="en-US" smtClean="0"/>
               <a:t>2024/3/10</a:t>
             </a:fld>
@@ -463,7 +463,7 @@
           <p:cNvPr id="5" name="页脚占位符 4">
             <a:extLst>
               <a:ext uri="{FF2B5EF4-FFF2-40B4-BE49-F238E27FC236}">
-                <a16:creationId xmlns:a16="http://schemas.microsoft.com/office/drawing/2014/main" id="{E6BF692C-97FB-C286-DB8F-4B36FE7F9673}"/>
+                <a16:creationId xmlns:a16="http://schemas.microsoft.com/office/drawing/2014/main" id="{49B11BE8-5191-41C3-AF8D-9E8958B1F13C}"/>
               </a:ext>
             </a:extLst>
           </p:cNvPr>
@@ -488,7 +488,7 @@
           <p:cNvPr id="6" name="灯片编号占位符 5">
             <a:extLst>
               <a:ext uri="{FF2B5EF4-FFF2-40B4-BE49-F238E27FC236}">
-                <a16:creationId xmlns:a16="http://schemas.microsoft.com/office/drawing/2014/main" id="{0FCD4C95-4A6A-4FE8-1EC8-D0EAE1DE48E5}"/>
+                <a16:creationId xmlns:a16="http://schemas.microsoft.com/office/drawing/2014/main" id="{4AFEB298-9ED2-F4E6-702B-99EEC57A6F84}"/>
               </a:ext>
             </a:extLst>
           </p:cNvPr>
@@ -504,7 +504,7 @@
           <a:bodyPr/>
           <a:lstStyle/>
           <a:p>
-            <a:fld id="{AA1086AE-1391-4271-B04D-D94AB26E7740}" type="slidenum">
+            <a:fld id="{626F364F-93EE-4255-B233-721DD3264CDB}" type="slidenum">
               <a:rPr lang="zh-CN" altLang="en-US" smtClean="0"/>
               <a:t>‹#›</a:t>
             </a:fld>
@@ -515,7 +515,7 @@
     </p:spTree>
     <p:extLst>
       <p:ext uri="{BB962C8B-B14F-4D97-AF65-F5344CB8AC3E}">
-        <p14:creationId xmlns:p14="http://schemas.microsoft.com/office/powerpoint/2010/main" val="1359138539"/>
+        <p14:creationId xmlns:p14="http://schemas.microsoft.com/office/powerpoint/2010/main" val="285820605"/>
       </p:ext>
     </p:extLst>
   </p:cSld>
@@ -547,7 +547,7 @@
           <p:cNvPr id="2" name="竖排标题 1">
             <a:extLst>
               <a:ext uri="{FF2B5EF4-FFF2-40B4-BE49-F238E27FC236}">
-                <a16:creationId xmlns:a16="http://schemas.microsoft.com/office/drawing/2014/main" id="{FC8F6BD3-166D-53A2-48A8-E55C10614F55}"/>
+                <a16:creationId xmlns:a16="http://schemas.microsoft.com/office/drawing/2014/main" id="{FAFE0580-D9A7-2810-D2C5-1309D2C907D1}"/>
               </a:ext>
             </a:extLst>
           </p:cNvPr>
@@ -580,7 +580,7 @@
           <p:cNvPr id="3" name="竖排文字占位符 2">
             <a:extLst>
               <a:ext uri="{FF2B5EF4-FFF2-40B4-BE49-F238E27FC236}">
-                <a16:creationId xmlns:a16="http://schemas.microsoft.com/office/drawing/2014/main" id="{FA1677FC-D275-A517-9F9D-9D6AA34B4C6C}"/>
+                <a16:creationId xmlns:a16="http://schemas.microsoft.com/office/drawing/2014/main" id="{BE0D9F6D-C0BB-281D-F5A2-90CE41480922}"/>
               </a:ext>
             </a:extLst>
           </p:cNvPr>
@@ -642,7 +642,7 @@
           <p:cNvPr id="4" name="日期占位符 3">
             <a:extLst>
               <a:ext uri="{FF2B5EF4-FFF2-40B4-BE49-F238E27FC236}">
-                <a16:creationId xmlns:a16="http://schemas.microsoft.com/office/drawing/2014/main" id="{10EC2711-707B-001F-D796-31B7037C2A66}"/>
+                <a16:creationId xmlns:a16="http://schemas.microsoft.com/office/drawing/2014/main" id="{D23ACFB8-CAE4-8E8B-4D0C-6D6BD0EDDCCF}"/>
               </a:ext>
             </a:extLst>
           </p:cNvPr>
@@ -658,7 +658,7 @@
           <a:bodyPr/>
           <a:lstStyle/>
           <a:p>
-            <a:fld id="{BE5EA618-258D-4E4F-B2E1-34040D111050}" type="datetimeFigureOut">
+            <a:fld id="{13C88809-A462-45EC-A1B9-467519895709}" type="datetimeFigureOut">
               <a:rPr lang="zh-CN" altLang="en-US" smtClean="0"/>
               <a:t>2024/3/10</a:t>
             </a:fld>
@@ -671,7 +671,7 @@
           <p:cNvPr id="5" name="页脚占位符 4">
             <a:extLst>
               <a:ext uri="{FF2B5EF4-FFF2-40B4-BE49-F238E27FC236}">
-                <a16:creationId xmlns:a16="http://schemas.microsoft.com/office/drawing/2014/main" id="{F08C50AE-C251-15EC-8F87-3609A6879AF3}"/>
+                <a16:creationId xmlns:a16="http://schemas.microsoft.com/office/drawing/2014/main" id="{FDAFF374-6830-D012-CD1E-1A8B5397E29F}"/>
               </a:ext>
             </a:extLst>
           </p:cNvPr>
@@ -696,7 +696,7 @@
           <p:cNvPr id="6" name="灯片编号占位符 5">
             <a:extLst>
               <a:ext uri="{FF2B5EF4-FFF2-40B4-BE49-F238E27FC236}">
-                <a16:creationId xmlns:a16="http://schemas.microsoft.com/office/drawing/2014/main" id="{29963F70-0435-8A67-9CD7-ED78280A8C47}"/>
+                <a16:creationId xmlns:a16="http://schemas.microsoft.com/office/drawing/2014/main" id="{751FB35F-49F7-AC52-A351-4299E77F88BC}"/>
               </a:ext>
             </a:extLst>
           </p:cNvPr>
@@ -712,7 +712,7 @@
           <a:bodyPr/>
           <a:lstStyle/>
           <a:p>
-            <a:fld id="{AA1086AE-1391-4271-B04D-D94AB26E7740}" type="slidenum">
+            <a:fld id="{626F364F-93EE-4255-B233-721DD3264CDB}" type="slidenum">
               <a:rPr lang="zh-CN" altLang="en-US" smtClean="0"/>
               <a:t>‹#›</a:t>
             </a:fld>
@@ -723,7 +723,7 @@
     </p:spTree>
     <p:extLst>
       <p:ext uri="{BB962C8B-B14F-4D97-AF65-F5344CB8AC3E}">
-        <p14:creationId xmlns:p14="http://schemas.microsoft.com/office/powerpoint/2010/main" val="143079345"/>
+        <p14:creationId xmlns:p14="http://schemas.microsoft.com/office/powerpoint/2010/main" val="1299807728"/>
       </p:ext>
     </p:extLst>
   </p:cSld>
@@ -755,7 +755,7 @@
           <p:cNvPr id="2" name="标题 1">
             <a:extLst>
               <a:ext uri="{FF2B5EF4-FFF2-40B4-BE49-F238E27FC236}">
-                <a16:creationId xmlns:a16="http://schemas.microsoft.com/office/drawing/2014/main" id="{88DD2EEE-C04A-24D0-78B3-4267D8118775}"/>
+                <a16:creationId xmlns:a16="http://schemas.microsoft.com/office/drawing/2014/main" id="{71B246FD-7C9A-D8EC-B14E-9F48B3320FA8}"/>
               </a:ext>
             </a:extLst>
           </p:cNvPr>
@@ -783,7 +783,7 @@
           <p:cNvPr id="3" name="内容占位符 2">
             <a:extLst>
               <a:ext uri="{FF2B5EF4-FFF2-40B4-BE49-F238E27FC236}">
-                <a16:creationId xmlns:a16="http://schemas.microsoft.com/office/drawing/2014/main" id="{BB0B19BA-0AC0-C1AA-29AD-49D3A772CB52}"/>
+                <a16:creationId xmlns:a16="http://schemas.microsoft.com/office/drawing/2014/main" id="{E00AD211-8C35-0646-9500-AB57F3B2266B}"/>
               </a:ext>
             </a:extLst>
           </p:cNvPr>
@@ -840,7 +840,7 @@
           <p:cNvPr id="4" name="日期占位符 3">
             <a:extLst>
               <a:ext uri="{FF2B5EF4-FFF2-40B4-BE49-F238E27FC236}">
-                <a16:creationId xmlns:a16="http://schemas.microsoft.com/office/drawing/2014/main" id="{4EC97069-EFB4-7030-3930-D8768DF2D3CF}"/>
+                <a16:creationId xmlns:a16="http://schemas.microsoft.com/office/drawing/2014/main" id="{A6E110A2-F1BB-BA24-1D17-7902454C13E1}"/>
               </a:ext>
             </a:extLst>
           </p:cNvPr>
@@ -856,7 +856,7 @@
           <a:bodyPr/>
           <a:lstStyle/>
           <a:p>
-            <a:fld id="{BE5EA618-258D-4E4F-B2E1-34040D111050}" type="datetimeFigureOut">
+            <a:fld id="{13C88809-A462-45EC-A1B9-467519895709}" type="datetimeFigureOut">
               <a:rPr lang="zh-CN" altLang="en-US" smtClean="0"/>
               <a:t>2024/3/10</a:t>
             </a:fld>
@@ -869,7 +869,7 @@
           <p:cNvPr id="5" name="页脚占位符 4">
             <a:extLst>
               <a:ext uri="{FF2B5EF4-FFF2-40B4-BE49-F238E27FC236}">
-                <a16:creationId xmlns:a16="http://schemas.microsoft.com/office/drawing/2014/main" id="{E4807D77-26F5-6D07-0AB7-2FAC0CDAF0AA}"/>
+                <a16:creationId xmlns:a16="http://schemas.microsoft.com/office/drawing/2014/main" id="{FD0317C9-2199-5FCD-A5C7-7D668C203409}"/>
               </a:ext>
             </a:extLst>
           </p:cNvPr>
@@ -894,7 +894,7 @@
           <p:cNvPr id="6" name="灯片编号占位符 5">
             <a:extLst>
               <a:ext uri="{FF2B5EF4-FFF2-40B4-BE49-F238E27FC236}">
-                <a16:creationId xmlns:a16="http://schemas.microsoft.com/office/drawing/2014/main" id="{C9CC89AF-CCBC-CA34-47A3-836480E0F7E9}"/>
+                <a16:creationId xmlns:a16="http://schemas.microsoft.com/office/drawing/2014/main" id="{E0D05E82-BD90-5D4A-A42F-40BBD40AFA9E}"/>
               </a:ext>
             </a:extLst>
           </p:cNvPr>
@@ -910,7 +910,7 @@
           <a:bodyPr/>
           <a:lstStyle/>
           <a:p>
-            <a:fld id="{AA1086AE-1391-4271-B04D-D94AB26E7740}" type="slidenum">
+            <a:fld id="{626F364F-93EE-4255-B233-721DD3264CDB}" type="slidenum">
               <a:rPr lang="zh-CN" altLang="en-US" smtClean="0"/>
               <a:t>‹#›</a:t>
             </a:fld>
@@ -921,7 +921,7 @@
     </p:spTree>
     <p:extLst>
       <p:ext uri="{BB962C8B-B14F-4D97-AF65-F5344CB8AC3E}">
-        <p14:creationId xmlns:p14="http://schemas.microsoft.com/office/powerpoint/2010/main" val="1766874711"/>
+        <p14:creationId xmlns:p14="http://schemas.microsoft.com/office/powerpoint/2010/main" val="2632202730"/>
       </p:ext>
     </p:extLst>
   </p:cSld>
@@ -953,7 +953,7 @@
           <p:cNvPr id="2" name="标题 1">
             <a:extLst>
               <a:ext uri="{FF2B5EF4-FFF2-40B4-BE49-F238E27FC236}">
-                <a16:creationId xmlns:a16="http://schemas.microsoft.com/office/drawing/2014/main" id="{F65DF8D0-E345-04FB-DD8C-54BA4A73C49C}"/>
+                <a16:creationId xmlns:a16="http://schemas.microsoft.com/office/drawing/2014/main" id="{575D809A-38E4-34F0-22D5-4AEB695191B0}"/>
               </a:ext>
             </a:extLst>
           </p:cNvPr>
@@ -990,7 +990,7 @@
           <p:cNvPr id="3" name="文本占位符 2">
             <a:extLst>
               <a:ext uri="{FF2B5EF4-FFF2-40B4-BE49-F238E27FC236}">
-                <a16:creationId xmlns:a16="http://schemas.microsoft.com/office/drawing/2014/main" id="{BD513B95-6931-3F53-E7A0-C0543961EFFB}"/>
+                <a16:creationId xmlns:a16="http://schemas.microsoft.com/office/drawing/2014/main" id="{27EB0290-81CE-3A96-3442-BB280CC3F715}"/>
               </a:ext>
             </a:extLst>
           </p:cNvPr>
@@ -1115,7 +1115,7 @@
           <p:cNvPr id="4" name="日期占位符 3">
             <a:extLst>
               <a:ext uri="{FF2B5EF4-FFF2-40B4-BE49-F238E27FC236}">
-                <a16:creationId xmlns:a16="http://schemas.microsoft.com/office/drawing/2014/main" id="{C686C30A-3FC0-DD7A-E2E5-DD01CE13C7D4}"/>
+                <a16:creationId xmlns:a16="http://schemas.microsoft.com/office/drawing/2014/main" id="{165DC0AE-F800-7275-AD52-9D4D17618E2C}"/>
               </a:ext>
             </a:extLst>
           </p:cNvPr>
@@ -1131,7 +1131,7 @@
           <a:bodyPr/>
           <a:lstStyle/>
           <a:p>
-            <a:fld id="{BE5EA618-258D-4E4F-B2E1-34040D111050}" type="datetimeFigureOut">
+            <a:fld id="{13C88809-A462-45EC-A1B9-467519895709}" type="datetimeFigureOut">
               <a:rPr lang="zh-CN" altLang="en-US" smtClean="0"/>
               <a:t>2024/3/10</a:t>
             </a:fld>
@@ -1144,7 +1144,7 @@
           <p:cNvPr id="5" name="页脚占位符 4">
             <a:extLst>
               <a:ext uri="{FF2B5EF4-FFF2-40B4-BE49-F238E27FC236}">
-                <a16:creationId xmlns:a16="http://schemas.microsoft.com/office/drawing/2014/main" id="{767AF984-C12B-11D5-D67B-A2640616372A}"/>
+                <a16:creationId xmlns:a16="http://schemas.microsoft.com/office/drawing/2014/main" id="{1422F9BA-796E-4E9A-92EA-08F28F7F5C9E}"/>
               </a:ext>
             </a:extLst>
           </p:cNvPr>
@@ -1169,7 +1169,7 @@
           <p:cNvPr id="6" name="灯片编号占位符 5">
             <a:extLst>
               <a:ext uri="{FF2B5EF4-FFF2-40B4-BE49-F238E27FC236}">
-                <a16:creationId xmlns:a16="http://schemas.microsoft.com/office/drawing/2014/main" id="{CC9940B2-8B1B-2232-5F5D-3E5D1753B45D}"/>
+                <a16:creationId xmlns:a16="http://schemas.microsoft.com/office/drawing/2014/main" id="{ADAED86D-87F5-8E05-8AA6-8FA65C1249D7}"/>
               </a:ext>
             </a:extLst>
           </p:cNvPr>
@@ -1185,7 +1185,7 @@
           <a:bodyPr/>
           <a:lstStyle/>
           <a:p>
-            <a:fld id="{AA1086AE-1391-4271-B04D-D94AB26E7740}" type="slidenum">
+            <a:fld id="{626F364F-93EE-4255-B233-721DD3264CDB}" type="slidenum">
               <a:rPr lang="zh-CN" altLang="en-US" smtClean="0"/>
               <a:t>‹#›</a:t>
             </a:fld>
@@ -1196,7 +1196,7 @@
     </p:spTree>
     <p:extLst>
       <p:ext uri="{BB962C8B-B14F-4D97-AF65-F5344CB8AC3E}">
-        <p14:creationId xmlns:p14="http://schemas.microsoft.com/office/powerpoint/2010/main" val="1275366632"/>
+        <p14:creationId xmlns:p14="http://schemas.microsoft.com/office/powerpoint/2010/main" val="814779433"/>
       </p:ext>
     </p:extLst>
   </p:cSld>
@@ -1228,7 +1228,7 @@
           <p:cNvPr id="2" name="标题 1">
             <a:extLst>
               <a:ext uri="{FF2B5EF4-FFF2-40B4-BE49-F238E27FC236}">
-                <a16:creationId xmlns:a16="http://schemas.microsoft.com/office/drawing/2014/main" id="{D99D1BDC-58BB-CEF2-1DD2-CF183A388168}"/>
+                <a16:creationId xmlns:a16="http://schemas.microsoft.com/office/drawing/2014/main" id="{536A05BE-330C-F574-859E-2F4F7FFAEDFC}"/>
               </a:ext>
             </a:extLst>
           </p:cNvPr>
@@ -1256,7 +1256,7 @@
           <p:cNvPr id="3" name="内容占位符 2">
             <a:extLst>
               <a:ext uri="{FF2B5EF4-FFF2-40B4-BE49-F238E27FC236}">
-                <a16:creationId xmlns:a16="http://schemas.microsoft.com/office/drawing/2014/main" id="{73215C1C-DCFE-68BF-2C72-3970B7E78649}"/>
+                <a16:creationId xmlns:a16="http://schemas.microsoft.com/office/drawing/2014/main" id="{0D8DD64E-9CA0-8D02-8D56-3786B3033BCC}"/>
               </a:ext>
             </a:extLst>
           </p:cNvPr>
@@ -1318,7 +1318,7 @@
           <p:cNvPr id="4" name="内容占位符 3">
             <a:extLst>
               <a:ext uri="{FF2B5EF4-FFF2-40B4-BE49-F238E27FC236}">
-                <a16:creationId xmlns:a16="http://schemas.microsoft.com/office/drawing/2014/main" id="{FABB8F30-5155-6A1A-F267-7BBD15064DA5}"/>
+                <a16:creationId xmlns:a16="http://schemas.microsoft.com/office/drawing/2014/main" id="{083FEED4-A367-E521-8A05-F147DFA4AD92}"/>
               </a:ext>
             </a:extLst>
           </p:cNvPr>
@@ -1380,7 +1380,7 @@
           <p:cNvPr id="5" name="日期占位符 4">
             <a:extLst>
               <a:ext uri="{FF2B5EF4-FFF2-40B4-BE49-F238E27FC236}">
-                <a16:creationId xmlns:a16="http://schemas.microsoft.com/office/drawing/2014/main" id="{94E7DBCE-4A91-4291-3B0F-44DB4DFDD269}"/>
+                <a16:creationId xmlns:a16="http://schemas.microsoft.com/office/drawing/2014/main" id="{6996C7C3-9558-1982-F23F-7DACE4D7225C}"/>
               </a:ext>
             </a:extLst>
           </p:cNvPr>
@@ -1396,7 +1396,7 @@
           <a:bodyPr/>
           <a:lstStyle/>
           <a:p>
-            <a:fld id="{BE5EA618-258D-4E4F-B2E1-34040D111050}" type="datetimeFigureOut">
+            <a:fld id="{13C88809-A462-45EC-A1B9-467519895709}" type="datetimeFigureOut">
               <a:rPr lang="zh-CN" altLang="en-US" smtClean="0"/>
               <a:t>2024/3/10</a:t>
             </a:fld>
@@ -1409,7 +1409,7 @@
           <p:cNvPr id="6" name="页脚占位符 5">
             <a:extLst>
               <a:ext uri="{FF2B5EF4-FFF2-40B4-BE49-F238E27FC236}">
-                <a16:creationId xmlns:a16="http://schemas.microsoft.com/office/drawing/2014/main" id="{F2137E6C-5DE4-DF9E-7AE1-B04E9D4A0D02}"/>
+                <a16:creationId xmlns:a16="http://schemas.microsoft.com/office/drawing/2014/main" id="{D405839D-C67F-BE00-C00E-4BBB9B0C7A41}"/>
               </a:ext>
             </a:extLst>
           </p:cNvPr>
@@ -1434,7 +1434,7 @@
           <p:cNvPr id="7" name="灯片编号占位符 6">
             <a:extLst>
               <a:ext uri="{FF2B5EF4-FFF2-40B4-BE49-F238E27FC236}">
-                <a16:creationId xmlns:a16="http://schemas.microsoft.com/office/drawing/2014/main" id="{D27B2AA7-FD71-2681-0EBF-A3FDF7ADB814}"/>
+                <a16:creationId xmlns:a16="http://schemas.microsoft.com/office/drawing/2014/main" id="{92C8B212-33B4-C6CE-8732-F79600870C1D}"/>
               </a:ext>
             </a:extLst>
           </p:cNvPr>
@@ -1450,7 +1450,7 @@
           <a:bodyPr/>
           <a:lstStyle/>
           <a:p>
-            <a:fld id="{AA1086AE-1391-4271-B04D-D94AB26E7740}" type="slidenum">
+            <a:fld id="{626F364F-93EE-4255-B233-721DD3264CDB}" type="slidenum">
               <a:rPr lang="zh-CN" altLang="en-US" smtClean="0"/>
               <a:t>‹#›</a:t>
             </a:fld>
@@ -1461,7 +1461,7 @@
     </p:spTree>
     <p:extLst>
       <p:ext uri="{BB962C8B-B14F-4D97-AF65-F5344CB8AC3E}">
-        <p14:creationId xmlns:p14="http://schemas.microsoft.com/office/powerpoint/2010/main" val="1616729488"/>
+        <p14:creationId xmlns:p14="http://schemas.microsoft.com/office/powerpoint/2010/main" val="2483046070"/>
       </p:ext>
     </p:extLst>
   </p:cSld>
@@ -1493,7 +1493,7 @@
           <p:cNvPr id="2" name="标题 1">
             <a:extLst>
               <a:ext uri="{FF2B5EF4-FFF2-40B4-BE49-F238E27FC236}">
-                <a16:creationId xmlns:a16="http://schemas.microsoft.com/office/drawing/2014/main" id="{1B9217F7-E331-53ED-45FF-FCF10A2B33DE}"/>
+                <a16:creationId xmlns:a16="http://schemas.microsoft.com/office/drawing/2014/main" id="{E7D4BF57-DB85-AD66-E155-017EC43E983A}"/>
               </a:ext>
             </a:extLst>
           </p:cNvPr>
@@ -1526,7 +1526,7 @@
           <p:cNvPr id="3" name="文本占位符 2">
             <a:extLst>
               <a:ext uri="{FF2B5EF4-FFF2-40B4-BE49-F238E27FC236}">
-                <a16:creationId xmlns:a16="http://schemas.microsoft.com/office/drawing/2014/main" id="{DCE118C5-473E-E958-3C99-C2060359C47E}"/>
+                <a16:creationId xmlns:a16="http://schemas.microsoft.com/office/drawing/2014/main" id="{B21CDF8D-A002-7043-ADC3-A0142D1DBCA6}"/>
               </a:ext>
             </a:extLst>
           </p:cNvPr>
@@ -1597,7 +1597,7 @@
           <p:cNvPr id="4" name="内容占位符 3">
             <a:extLst>
               <a:ext uri="{FF2B5EF4-FFF2-40B4-BE49-F238E27FC236}">
-                <a16:creationId xmlns:a16="http://schemas.microsoft.com/office/drawing/2014/main" id="{3CA120C9-E2B5-40A2-E4C5-1C3F5A661CC2}"/>
+                <a16:creationId xmlns:a16="http://schemas.microsoft.com/office/drawing/2014/main" id="{719F73BF-2BB0-FFD9-683B-22CE87E9126D}"/>
               </a:ext>
             </a:extLst>
           </p:cNvPr>
@@ -1659,7 +1659,7 @@
           <p:cNvPr id="5" name="文本占位符 4">
             <a:extLst>
               <a:ext uri="{FF2B5EF4-FFF2-40B4-BE49-F238E27FC236}">
-                <a16:creationId xmlns:a16="http://schemas.microsoft.com/office/drawing/2014/main" id="{75D164FA-D0D3-374B-F7F4-B2E86FB91B1C}"/>
+                <a16:creationId xmlns:a16="http://schemas.microsoft.com/office/drawing/2014/main" id="{68A06A0F-7760-F067-BB0E-0B0B547DBFC9}"/>
               </a:ext>
             </a:extLst>
           </p:cNvPr>
@@ -1730,7 +1730,7 @@
           <p:cNvPr id="6" name="内容占位符 5">
             <a:extLst>
               <a:ext uri="{FF2B5EF4-FFF2-40B4-BE49-F238E27FC236}">
-                <a16:creationId xmlns:a16="http://schemas.microsoft.com/office/drawing/2014/main" id="{AAAE054B-A425-EE1E-1223-28A8F8E85BA7}"/>
+                <a16:creationId xmlns:a16="http://schemas.microsoft.com/office/drawing/2014/main" id="{67DDDB70-CB86-866C-2542-8BB85B167954}"/>
               </a:ext>
             </a:extLst>
           </p:cNvPr>
@@ -1792,7 +1792,7 @@
           <p:cNvPr id="7" name="日期占位符 6">
             <a:extLst>
               <a:ext uri="{FF2B5EF4-FFF2-40B4-BE49-F238E27FC236}">
-                <a16:creationId xmlns:a16="http://schemas.microsoft.com/office/drawing/2014/main" id="{3E0300BB-4F33-4AA8-9BDF-43D2FD425526}"/>
+                <a16:creationId xmlns:a16="http://schemas.microsoft.com/office/drawing/2014/main" id="{2EE85371-9EBA-3A2B-AA8F-E20FF33C636E}"/>
               </a:ext>
             </a:extLst>
           </p:cNvPr>
@@ -1808,7 +1808,7 @@
           <a:bodyPr/>
           <a:lstStyle/>
           <a:p>
-            <a:fld id="{BE5EA618-258D-4E4F-B2E1-34040D111050}" type="datetimeFigureOut">
+            <a:fld id="{13C88809-A462-45EC-A1B9-467519895709}" type="datetimeFigureOut">
               <a:rPr lang="zh-CN" altLang="en-US" smtClean="0"/>
               <a:t>2024/3/10</a:t>
             </a:fld>
@@ -1821,7 +1821,7 @@
           <p:cNvPr id="8" name="页脚占位符 7">
             <a:extLst>
               <a:ext uri="{FF2B5EF4-FFF2-40B4-BE49-F238E27FC236}">
-                <a16:creationId xmlns:a16="http://schemas.microsoft.com/office/drawing/2014/main" id="{D52C206C-4A49-2D33-59F8-5D8C1C6F31BE}"/>
+                <a16:creationId xmlns:a16="http://schemas.microsoft.com/office/drawing/2014/main" id="{ADE89152-FD87-0245-4884-3199D9D31CB7}"/>
               </a:ext>
             </a:extLst>
           </p:cNvPr>
@@ -1846,7 +1846,7 @@
           <p:cNvPr id="9" name="灯片编号占位符 8">
             <a:extLst>
               <a:ext uri="{FF2B5EF4-FFF2-40B4-BE49-F238E27FC236}">
-                <a16:creationId xmlns:a16="http://schemas.microsoft.com/office/drawing/2014/main" id="{B97DFDF7-9EA3-3B0F-41CC-A2A5AD289BA4}"/>
+                <a16:creationId xmlns:a16="http://schemas.microsoft.com/office/drawing/2014/main" id="{D0132351-BE50-F0B8-A3B3-4CCE6B0D271B}"/>
               </a:ext>
             </a:extLst>
           </p:cNvPr>
@@ -1862,7 +1862,7 @@
           <a:bodyPr/>
           <a:lstStyle/>
           <a:p>
-            <a:fld id="{AA1086AE-1391-4271-B04D-D94AB26E7740}" type="slidenum">
+            <a:fld id="{626F364F-93EE-4255-B233-721DD3264CDB}" type="slidenum">
               <a:rPr lang="zh-CN" altLang="en-US" smtClean="0"/>
               <a:t>‹#›</a:t>
             </a:fld>
@@ -1873,7 +1873,7 @@
     </p:spTree>
     <p:extLst>
       <p:ext uri="{BB962C8B-B14F-4D97-AF65-F5344CB8AC3E}">
-        <p14:creationId xmlns:p14="http://schemas.microsoft.com/office/powerpoint/2010/main" val="157394275"/>
+        <p14:creationId xmlns:p14="http://schemas.microsoft.com/office/powerpoint/2010/main" val="1419759382"/>
       </p:ext>
     </p:extLst>
   </p:cSld>
@@ -1905,7 +1905,7 @@
           <p:cNvPr id="2" name="标题 1">
             <a:extLst>
               <a:ext uri="{FF2B5EF4-FFF2-40B4-BE49-F238E27FC236}">
-                <a16:creationId xmlns:a16="http://schemas.microsoft.com/office/drawing/2014/main" id="{7E661BFE-821C-BC72-4DB2-FF1F1ABA9A51}"/>
+                <a16:creationId xmlns:a16="http://schemas.microsoft.com/office/drawing/2014/main" id="{C2A0A89B-2105-A091-CCDA-2640ECD64C91}"/>
               </a:ext>
             </a:extLst>
           </p:cNvPr>
@@ -1933,7 +1933,7 @@
           <p:cNvPr id="3" name="日期占位符 2">
             <a:extLst>
               <a:ext uri="{FF2B5EF4-FFF2-40B4-BE49-F238E27FC236}">
-                <a16:creationId xmlns:a16="http://schemas.microsoft.com/office/drawing/2014/main" id="{9F224D5D-D5D3-C23A-FF9D-A26957445EEB}"/>
+                <a16:creationId xmlns:a16="http://schemas.microsoft.com/office/drawing/2014/main" id="{E1493B86-58E7-0A36-68ED-EEFB1433BAE4}"/>
               </a:ext>
             </a:extLst>
           </p:cNvPr>
@@ -1949,7 +1949,7 @@
           <a:bodyPr/>
           <a:lstStyle/>
           <a:p>
-            <a:fld id="{BE5EA618-258D-4E4F-B2E1-34040D111050}" type="datetimeFigureOut">
+            <a:fld id="{13C88809-A462-45EC-A1B9-467519895709}" type="datetimeFigureOut">
               <a:rPr lang="zh-CN" altLang="en-US" smtClean="0"/>
               <a:t>2024/3/10</a:t>
             </a:fld>
@@ -1962,7 +1962,7 @@
           <p:cNvPr id="4" name="页脚占位符 3">
             <a:extLst>
               <a:ext uri="{FF2B5EF4-FFF2-40B4-BE49-F238E27FC236}">
-                <a16:creationId xmlns:a16="http://schemas.microsoft.com/office/drawing/2014/main" id="{9EC9E846-F066-CBE7-92AA-D867CAFD149C}"/>
+                <a16:creationId xmlns:a16="http://schemas.microsoft.com/office/drawing/2014/main" id="{AD4FF233-81F7-2E5B-6673-93B234A4FDC1}"/>
               </a:ext>
             </a:extLst>
           </p:cNvPr>
@@ -1987,7 +1987,7 @@
           <p:cNvPr id="5" name="灯片编号占位符 4">
             <a:extLst>
               <a:ext uri="{FF2B5EF4-FFF2-40B4-BE49-F238E27FC236}">
-                <a16:creationId xmlns:a16="http://schemas.microsoft.com/office/drawing/2014/main" id="{3A15B00C-0E1B-474B-2640-CB5F7FAF527F}"/>
+                <a16:creationId xmlns:a16="http://schemas.microsoft.com/office/drawing/2014/main" id="{495E5201-CE8C-CAD6-2DBE-9C4E2CEF5B61}"/>
               </a:ext>
             </a:extLst>
           </p:cNvPr>
@@ -2003,7 +2003,7 @@
           <a:bodyPr/>
           <a:lstStyle/>
           <a:p>
-            <a:fld id="{AA1086AE-1391-4271-B04D-D94AB26E7740}" type="slidenum">
+            <a:fld id="{626F364F-93EE-4255-B233-721DD3264CDB}" type="slidenum">
               <a:rPr lang="zh-CN" altLang="en-US" smtClean="0"/>
               <a:t>‹#›</a:t>
             </a:fld>
@@ -2014,7 +2014,7 @@
     </p:spTree>
     <p:extLst>
       <p:ext uri="{BB962C8B-B14F-4D97-AF65-F5344CB8AC3E}">
-        <p14:creationId xmlns:p14="http://schemas.microsoft.com/office/powerpoint/2010/main" val="975227089"/>
+        <p14:creationId xmlns:p14="http://schemas.microsoft.com/office/powerpoint/2010/main" val="3205762876"/>
       </p:ext>
     </p:extLst>
   </p:cSld>
@@ -2046,7 +2046,7 @@
           <p:cNvPr id="2" name="日期占位符 1">
             <a:extLst>
               <a:ext uri="{FF2B5EF4-FFF2-40B4-BE49-F238E27FC236}">
-                <a16:creationId xmlns:a16="http://schemas.microsoft.com/office/drawing/2014/main" id="{04C1A131-9D45-F781-ED39-F481170B8400}"/>
+                <a16:creationId xmlns:a16="http://schemas.microsoft.com/office/drawing/2014/main" id="{1FDA137D-6830-3934-C2FB-C0130E654303}"/>
               </a:ext>
             </a:extLst>
           </p:cNvPr>
@@ -2062,7 +2062,7 @@
           <a:bodyPr/>
           <a:lstStyle/>
           <a:p>
-            <a:fld id="{BE5EA618-258D-4E4F-B2E1-34040D111050}" type="datetimeFigureOut">
+            <a:fld id="{13C88809-A462-45EC-A1B9-467519895709}" type="datetimeFigureOut">
               <a:rPr lang="zh-CN" altLang="en-US" smtClean="0"/>
               <a:t>2024/3/10</a:t>
             </a:fld>
@@ -2075,7 +2075,7 @@
           <p:cNvPr id="3" name="页脚占位符 2">
             <a:extLst>
               <a:ext uri="{FF2B5EF4-FFF2-40B4-BE49-F238E27FC236}">
-                <a16:creationId xmlns:a16="http://schemas.microsoft.com/office/drawing/2014/main" id="{34B957EB-AD09-D891-B628-633B7211FDCE}"/>
+                <a16:creationId xmlns:a16="http://schemas.microsoft.com/office/drawing/2014/main" id="{A6E3D386-588E-D957-ABD9-EB03E84EA658}"/>
               </a:ext>
             </a:extLst>
           </p:cNvPr>
@@ -2100,7 +2100,7 @@
           <p:cNvPr id="4" name="灯片编号占位符 3">
             <a:extLst>
               <a:ext uri="{FF2B5EF4-FFF2-40B4-BE49-F238E27FC236}">
-                <a16:creationId xmlns:a16="http://schemas.microsoft.com/office/drawing/2014/main" id="{1EAF6806-6B1B-26DF-73E2-795E603F0B27}"/>
+                <a16:creationId xmlns:a16="http://schemas.microsoft.com/office/drawing/2014/main" id="{36832AA1-5F0C-A3CE-17B2-D8A525935841}"/>
               </a:ext>
             </a:extLst>
           </p:cNvPr>
@@ -2116,7 +2116,7 @@
           <a:bodyPr/>
           <a:lstStyle/>
           <a:p>
-            <a:fld id="{AA1086AE-1391-4271-B04D-D94AB26E7740}" type="slidenum">
+            <a:fld id="{626F364F-93EE-4255-B233-721DD3264CDB}" type="slidenum">
               <a:rPr lang="zh-CN" altLang="en-US" smtClean="0"/>
               <a:t>‹#›</a:t>
             </a:fld>
@@ -2127,7 +2127,7 @@
     </p:spTree>
     <p:extLst>
       <p:ext uri="{BB962C8B-B14F-4D97-AF65-F5344CB8AC3E}">
-        <p14:creationId xmlns:p14="http://schemas.microsoft.com/office/powerpoint/2010/main" val="3505854508"/>
+        <p14:creationId xmlns:p14="http://schemas.microsoft.com/office/powerpoint/2010/main" val="1227427960"/>
       </p:ext>
     </p:extLst>
   </p:cSld>
@@ -2159,7 +2159,7 @@
           <p:cNvPr id="2" name="标题 1">
             <a:extLst>
               <a:ext uri="{FF2B5EF4-FFF2-40B4-BE49-F238E27FC236}">
-                <a16:creationId xmlns:a16="http://schemas.microsoft.com/office/drawing/2014/main" id="{86DF405C-44A9-D48E-4408-B217C1F28DCB}"/>
+                <a16:creationId xmlns:a16="http://schemas.microsoft.com/office/drawing/2014/main" id="{55353AC5-27F9-0E07-B107-28A37B08D0A6}"/>
               </a:ext>
             </a:extLst>
           </p:cNvPr>
@@ -2196,7 +2196,7 @@
           <p:cNvPr id="3" name="内容占位符 2">
             <a:extLst>
               <a:ext uri="{FF2B5EF4-FFF2-40B4-BE49-F238E27FC236}">
-                <a16:creationId xmlns:a16="http://schemas.microsoft.com/office/drawing/2014/main" id="{A88F54A2-7E53-154A-9E92-E4DB0C50DD69}"/>
+                <a16:creationId xmlns:a16="http://schemas.microsoft.com/office/drawing/2014/main" id="{5CE6AEDD-97CE-7839-FA73-35786D9F5035}"/>
               </a:ext>
             </a:extLst>
           </p:cNvPr>
@@ -2286,7 +2286,7 @@
           <p:cNvPr id="4" name="文本占位符 3">
             <a:extLst>
               <a:ext uri="{FF2B5EF4-FFF2-40B4-BE49-F238E27FC236}">
-                <a16:creationId xmlns:a16="http://schemas.microsoft.com/office/drawing/2014/main" id="{193B3FE2-D7D3-F205-695E-E9BD31995F60}"/>
+                <a16:creationId xmlns:a16="http://schemas.microsoft.com/office/drawing/2014/main" id="{997B80D7-1EB6-7F7E-5340-5CBD8B972CB7}"/>
               </a:ext>
             </a:extLst>
           </p:cNvPr>
@@ -2357,7 +2357,7 @@
           <p:cNvPr id="5" name="日期占位符 4">
             <a:extLst>
               <a:ext uri="{FF2B5EF4-FFF2-40B4-BE49-F238E27FC236}">
-                <a16:creationId xmlns:a16="http://schemas.microsoft.com/office/drawing/2014/main" id="{BC01BCFB-6D09-0476-4AD8-7E91645B6D32}"/>
+                <a16:creationId xmlns:a16="http://schemas.microsoft.com/office/drawing/2014/main" id="{F17F9CA6-B659-DA0E-436A-A38BE3301B41}"/>
               </a:ext>
             </a:extLst>
           </p:cNvPr>
@@ -2373,7 +2373,7 @@
           <a:bodyPr/>
           <a:lstStyle/>
           <a:p>
-            <a:fld id="{BE5EA618-258D-4E4F-B2E1-34040D111050}" type="datetimeFigureOut">
+            <a:fld id="{13C88809-A462-45EC-A1B9-467519895709}" type="datetimeFigureOut">
               <a:rPr lang="zh-CN" altLang="en-US" smtClean="0"/>
               <a:t>2024/3/10</a:t>
             </a:fld>
@@ -2386,7 +2386,7 @@
           <p:cNvPr id="6" name="页脚占位符 5">
             <a:extLst>
               <a:ext uri="{FF2B5EF4-FFF2-40B4-BE49-F238E27FC236}">
-                <a16:creationId xmlns:a16="http://schemas.microsoft.com/office/drawing/2014/main" id="{0D612D96-ECA7-1FA8-F8B0-8DE0FB3432DF}"/>
+                <a16:creationId xmlns:a16="http://schemas.microsoft.com/office/drawing/2014/main" id="{67D2BD71-62D7-EA7B-5CEF-AD18AE8F1505}"/>
               </a:ext>
             </a:extLst>
           </p:cNvPr>
@@ -2411,7 +2411,7 @@
           <p:cNvPr id="7" name="灯片编号占位符 6">
             <a:extLst>
               <a:ext uri="{FF2B5EF4-FFF2-40B4-BE49-F238E27FC236}">
-                <a16:creationId xmlns:a16="http://schemas.microsoft.com/office/drawing/2014/main" id="{47771983-3238-D57A-65E0-66C587DAEABD}"/>
+                <a16:creationId xmlns:a16="http://schemas.microsoft.com/office/drawing/2014/main" id="{580D9F88-CD50-5DB4-2FFE-647DFA6FF625}"/>
               </a:ext>
             </a:extLst>
           </p:cNvPr>
@@ -2427,7 +2427,7 @@
           <a:bodyPr/>
           <a:lstStyle/>
           <a:p>
-            <a:fld id="{AA1086AE-1391-4271-B04D-D94AB26E7740}" type="slidenum">
+            <a:fld id="{626F364F-93EE-4255-B233-721DD3264CDB}" type="slidenum">
               <a:rPr lang="zh-CN" altLang="en-US" smtClean="0"/>
               <a:t>‹#›</a:t>
             </a:fld>
@@ -2438,7 +2438,7 @@
     </p:spTree>
     <p:extLst>
       <p:ext uri="{BB962C8B-B14F-4D97-AF65-F5344CB8AC3E}">
-        <p14:creationId xmlns:p14="http://schemas.microsoft.com/office/powerpoint/2010/main" val="1310622793"/>
+        <p14:creationId xmlns:p14="http://schemas.microsoft.com/office/powerpoint/2010/main" val="1674566204"/>
       </p:ext>
     </p:extLst>
   </p:cSld>
@@ -2470,7 +2470,7 @@
           <p:cNvPr id="2" name="标题 1">
             <a:extLst>
               <a:ext uri="{FF2B5EF4-FFF2-40B4-BE49-F238E27FC236}">
-                <a16:creationId xmlns:a16="http://schemas.microsoft.com/office/drawing/2014/main" id="{146567DC-D939-6472-8F4E-8D4DF672AD3D}"/>
+                <a16:creationId xmlns:a16="http://schemas.microsoft.com/office/drawing/2014/main" id="{9BCB8380-3871-FBCA-E4BC-5FB0079BBB64}"/>
               </a:ext>
             </a:extLst>
           </p:cNvPr>
@@ -2507,7 +2507,7 @@
           <p:cNvPr id="3" name="图片占位符 2">
             <a:extLst>
               <a:ext uri="{FF2B5EF4-FFF2-40B4-BE49-F238E27FC236}">
-                <a16:creationId xmlns:a16="http://schemas.microsoft.com/office/drawing/2014/main" id="{144AFC64-0AF8-304F-5008-1179B8BC5A1A}"/>
+                <a16:creationId xmlns:a16="http://schemas.microsoft.com/office/drawing/2014/main" id="{A9BAE729-3A2A-AE28-E016-DBD4D426D74A}"/>
               </a:ext>
             </a:extLst>
           </p:cNvPr>
@@ -2574,7 +2574,7 @@
           <p:cNvPr id="4" name="文本占位符 3">
             <a:extLst>
               <a:ext uri="{FF2B5EF4-FFF2-40B4-BE49-F238E27FC236}">
-                <a16:creationId xmlns:a16="http://schemas.microsoft.com/office/drawing/2014/main" id="{90A1EF5B-4732-A9B1-8736-79BF86A42A75}"/>
+                <a16:creationId xmlns:a16="http://schemas.microsoft.com/office/drawing/2014/main" id="{78D2C283-9425-3C68-B623-BE8B758B3493}"/>
               </a:ext>
             </a:extLst>
           </p:cNvPr>
@@ -2645,7 +2645,7 @@
           <p:cNvPr id="5" name="日期占位符 4">
             <a:extLst>
               <a:ext uri="{FF2B5EF4-FFF2-40B4-BE49-F238E27FC236}">
-                <a16:creationId xmlns:a16="http://schemas.microsoft.com/office/drawing/2014/main" id="{BD9B10B8-BA91-BB99-ACC3-D040D8D35194}"/>
+                <a16:creationId xmlns:a16="http://schemas.microsoft.com/office/drawing/2014/main" id="{6D2E1CB1-AD7F-5231-6011-6430E6CB65AA}"/>
               </a:ext>
             </a:extLst>
           </p:cNvPr>
@@ -2661,7 +2661,7 @@
           <a:bodyPr/>
           <a:lstStyle/>
           <a:p>
-            <a:fld id="{BE5EA618-258D-4E4F-B2E1-34040D111050}" type="datetimeFigureOut">
+            <a:fld id="{13C88809-A462-45EC-A1B9-467519895709}" type="datetimeFigureOut">
               <a:rPr lang="zh-CN" altLang="en-US" smtClean="0"/>
               <a:t>2024/3/10</a:t>
             </a:fld>
@@ -2674,7 +2674,7 @@
           <p:cNvPr id="6" name="页脚占位符 5">
             <a:extLst>
               <a:ext uri="{FF2B5EF4-FFF2-40B4-BE49-F238E27FC236}">
-                <a16:creationId xmlns:a16="http://schemas.microsoft.com/office/drawing/2014/main" id="{D46D1417-447A-83F0-3E00-FD933C56FB9D}"/>
+                <a16:creationId xmlns:a16="http://schemas.microsoft.com/office/drawing/2014/main" id="{1532F365-B2A8-DA08-FA9D-4C18E0D8B49E}"/>
               </a:ext>
             </a:extLst>
           </p:cNvPr>
@@ -2699,7 +2699,7 @@
           <p:cNvPr id="7" name="灯片编号占位符 6">
             <a:extLst>
               <a:ext uri="{FF2B5EF4-FFF2-40B4-BE49-F238E27FC236}">
-                <a16:creationId xmlns:a16="http://schemas.microsoft.com/office/drawing/2014/main" id="{FF36583A-FAC9-205E-9A83-B8AF68D0B9F7}"/>
+                <a16:creationId xmlns:a16="http://schemas.microsoft.com/office/drawing/2014/main" id="{C09DB1B7-7C50-64CE-4E30-D6F2182D9984}"/>
               </a:ext>
             </a:extLst>
           </p:cNvPr>
@@ -2715,7 +2715,7 @@
           <a:bodyPr/>
           <a:lstStyle/>
           <a:p>
-            <a:fld id="{AA1086AE-1391-4271-B04D-D94AB26E7740}" type="slidenum">
+            <a:fld id="{626F364F-93EE-4255-B233-721DD3264CDB}" type="slidenum">
               <a:rPr lang="zh-CN" altLang="en-US" smtClean="0"/>
               <a:t>‹#›</a:t>
             </a:fld>
@@ -2726,7 +2726,7 @@
     </p:spTree>
     <p:extLst>
       <p:ext uri="{BB962C8B-B14F-4D97-AF65-F5344CB8AC3E}">
-        <p14:creationId xmlns:p14="http://schemas.microsoft.com/office/powerpoint/2010/main" val="1361546999"/>
+        <p14:creationId xmlns:p14="http://schemas.microsoft.com/office/powerpoint/2010/main" val="1636230427"/>
       </p:ext>
     </p:extLst>
   </p:cSld>
@@ -2763,7 +2763,7 @@
           <p:cNvPr id="2" name="标题占位符 1">
             <a:extLst>
               <a:ext uri="{FF2B5EF4-FFF2-40B4-BE49-F238E27FC236}">
-                <a16:creationId xmlns:a16="http://schemas.microsoft.com/office/drawing/2014/main" id="{8C486951-D774-59CF-2B68-B2EACE8F49A7}"/>
+                <a16:creationId xmlns:a16="http://schemas.microsoft.com/office/drawing/2014/main" id="{264F62C2-634A-47E5-757A-10779E87AC5B}"/>
               </a:ext>
             </a:extLst>
           </p:cNvPr>
@@ -2801,7 +2801,7 @@
           <p:cNvPr id="3" name="文本占位符 2">
             <a:extLst>
               <a:ext uri="{FF2B5EF4-FFF2-40B4-BE49-F238E27FC236}">
-                <a16:creationId xmlns:a16="http://schemas.microsoft.com/office/drawing/2014/main" id="{C7986190-4356-1407-43F8-B83623390B8B}"/>
+                <a16:creationId xmlns:a16="http://schemas.microsoft.com/office/drawing/2014/main" id="{5C30CD7C-F163-DC03-AE36-02B2B72DFA0A}"/>
               </a:ext>
             </a:extLst>
           </p:cNvPr>
@@ -2868,7 +2868,7 @@
           <p:cNvPr id="4" name="日期占位符 3">
             <a:extLst>
               <a:ext uri="{FF2B5EF4-FFF2-40B4-BE49-F238E27FC236}">
-                <a16:creationId xmlns:a16="http://schemas.microsoft.com/office/drawing/2014/main" id="{2E1154A3-1DD5-A18B-A4AE-C93A7EC5A265}"/>
+                <a16:creationId xmlns:a16="http://schemas.microsoft.com/office/drawing/2014/main" id="{46B0BA6C-6424-D22B-4EAD-869351BEADAE}"/>
               </a:ext>
             </a:extLst>
           </p:cNvPr>
@@ -2902,7 +2902,7 @@
             </a:lvl1pPr>
           </a:lstStyle>
           <a:p>
-            <a:fld id="{BE5EA618-258D-4E4F-B2E1-34040D111050}" type="datetimeFigureOut">
+            <a:fld id="{13C88809-A462-45EC-A1B9-467519895709}" type="datetimeFigureOut">
               <a:rPr lang="zh-CN" altLang="en-US" smtClean="0"/>
               <a:t>2024/3/10</a:t>
             </a:fld>
@@ -2915,7 +2915,7 @@
           <p:cNvPr id="5" name="页脚占位符 4">
             <a:extLst>
               <a:ext uri="{FF2B5EF4-FFF2-40B4-BE49-F238E27FC236}">
-                <a16:creationId xmlns:a16="http://schemas.microsoft.com/office/drawing/2014/main" id="{4045F2D8-D144-13CC-D4D1-0E5D9A89D166}"/>
+                <a16:creationId xmlns:a16="http://schemas.microsoft.com/office/drawing/2014/main" id="{F22A9AA9-2933-59C0-903A-8EF8F7DC2E9E}"/>
               </a:ext>
             </a:extLst>
           </p:cNvPr>
@@ -2958,7 +2958,7 @@
           <p:cNvPr id="6" name="灯片编号占位符 5">
             <a:extLst>
               <a:ext uri="{FF2B5EF4-FFF2-40B4-BE49-F238E27FC236}">
-                <a16:creationId xmlns:a16="http://schemas.microsoft.com/office/drawing/2014/main" id="{9DCC49B4-BB72-0C1C-1768-2A0EDED099C7}"/>
+                <a16:creationId xmlns:a16="http://schemas.microsoft.com/office/drawing/2014/main" id="{B62B934E-1102-612C-D44C-93D92CCF4F41}"/>
               </a:ext>
             </a:extLst>
           </p:cNvPr>
@@ -2992,7 +2992,7 @@
             </a:lvl1pPr>
           </a:lstStyle>
           <a:p>
-            <a:fld id="{AA1086AE-1391-4271-B04D-D94AB26E7740}" type="slidenum">
+            <a:fld id="{626F364F-93EE-4255-B233-721DD3264CDB}" type="slidenum">
               <a:rPr lang="zh-CN" altLang="en-US" smtClean="0"/>
               <a:t>‹#›</a:t>
             </a:fld>
@@ -3003,7 +3003,7 @@
     </p:spTree>
     <p:extLst>
       <p:ext uri="{BB962C8B-B14F-4D97-AF65-F5344CB8AC3E}">
-        <p14:creationId xmlns:p14="http://schemas.microsoft.com/office/powerpoint/2010/main" val="664012460"/>
+        <p14:creationId xmlns:p14="http://schemas.microsoft.com/office/powerpoint/2010/main" val="3407017353"/>
       </p:ext>
     </p:extLst>
   </p:cSld>
@@ -3323,7 +3323,7 @@
       </p:grpSpPr>
       <p:pic>
         <p:nvPicPr>
-          <p:cNvPr id="846850" name="Picture 2" descr="826"/>
+          <p:cNvPr id="847874" name="Picture 2" descr="827"/>
           <p:cNvPicPr>
             <a:picLocks noChangeAspect="1" noChangeArrowheads="1"/>
           </p:cNvPicPr>
@@ -3375,158 +3375,11 @@
           </a:extLst>
         </p:spPr>
       </p:pic>
-      <p:pic>
-        <p:nvPicPr>
-          <p:cNvPr id="847875" name="Picture 3" descr="826-2"/>
-          <p:cNvPicPr>
-            <a:picLocks noChangeAspect="1" noChangeArrowheads="1"/>
-          </p:cNvPicPr>
-          <p:nvPr/>
-        </p:nvPicPr>
-        <p:blipFill>
-          <a:blip r:embed="rId3">
-            <a:extLst>
-              <a:ext uri="{28A0092B-C50C-407E-A947-70E740481C1C}">
-                <a14:useLocalDpi xmlns:a14="http://schemas.microsoft.com/office/drawing/2010/main" val="0"/>
-              </a:ext>
-            </a:extLst>
-          </a:blip>
-          <a:srcRect/>
-          <a:stretch>
-            <a:fillRect/>
-          </a:stretch>
-        </p:blipFill>
-        <p:spPr bwMode="auto">
-          <a:xfrm>
-            <a:off x="1501776" y="0"/>
-            <a:ext cx="9129713" cy="6858000"/>
-          </a:xfrm>
-          <a:prstGeom prst="rect">
-            <a:avLst/>
-          </a:prstGeom>
-          <a:noFill/>
-          <a:ln>
-            <a:noFill/>
-          </a:ln>
-          <a:effectLst/>
-          <a:extLst>
-            <a:ext uri="{909E8E84-426E-40DD-AFC4-6F175D3DCCD1}">
-              <a14:hiddenFill xmlns:a14="http://schemas.microsoft.com/office/drawing/2010/main">
-                <a:solidFill>
-                  <a:srgbClr val="FFFFFF"/>
-                </a:solidFill>
-              </a14:hiddenFill>
-            </a:ext>
-            <a:ext uri="{91240B29-F687-4F45-9708-019B960494DF}">
-              <a14:hiddenLine xmlns:a14="http://schemas.microsoft.com/office/drawing/2010/main" w="9525">
-                <a:solidFill>
-                  <a:srgbClr val="000000"/>
-                </a:solidFill>
-                <a:miter lim="800000"/>
-                <a:headEnd/>
-                <a:tailEnd/>
-              </a14:hiddenLine>
-            </a:ext>
-            <a:ext uri="{AF507438-7753-43E0-B8FC-AC1667EBCBE1}">
-              <a14:hiddenEffects xmlns:a14="http://schemas.microsoft.com/office/drawing/2010/main">
-                <a:effectLst>
-                  <a:outerShdw dist="35921" dir="2700000" algn="ctr" rotWithShape="0">
-                    <a:srgbClr val="808080"/>
-                  </a:outerShdw>
-                </a:effectLst>
-              </a14:hiddenEffects>
-            </a:ext>
-          </a:extLst>
-        </p:spPr>
-      </p:pic>
     </p:spTree>
   </p:cSld>
   <p:clrMapOvr>
     <a:masterClrMapping/>
   </p:clrMapOvr>
-  <p:timing>
-    <p:tnLst>
-      <p:par>
-        <p:cTn id="1" dur="indefinite" restart="never" nodeType="tmRoot">
-          <p:childTnLst>
-            <p:seq concurrent="1" nextAc="seek">
-              <p:cTn id="2" dur="indefinite" nodeType="mainSeq">
-                <p:childTnLst>
-                  <p:par>
-                    <p:cTn id="3" fill="hold" nodeType="clickPar">
-                      <p:stCondLst>
-                        <p:cond delay="indefinite"/>
-                      </p:stCondLst>
-                      <p:childTnLst>
-                        <p:par>
-                          <p:cTn id="4" fill="hold" nodeType="withGroup">
-                            <p:stCondLst>
-                              <p:cond delay="0"/>
-                            </p:stCondLst>
-                            <p:childTnLst>
-                              <p:par>
-                                <p:cTn id="5" presetID="10" presetClass="entr" presetSubtype="0" fill="hold" nodeType="clickEffect">
-                                  <p:stCondLst>
-                                    <p:cond delay="0"/>
-                                  </p:stCondLst>
-                                  <p:childTnLst>
-                                    <p:set>
-                                      <p:cBhvr>
-                                        <p:cTn id="6" dur="1" fill="hold">
-                                          <p:stCondLst>
-                                            <p:cond delay="0"/>
-                                          </p:stCondLst>
-                                        </p:cTn>
-                                        <p:tgtEl>
-                                          <p:spTgt spid="847875"/>
-                                        </p:tgtEl>
-                                        <p:attrNameLst>
-                                          <p:attrName>style.visibility</p:attrName>
-                                        </p:attrNameLst>
-                                      </p:cBhvr>
-                                      <p:to>
-                                        <p:strVal val="visible"/>
-                                      </p:to>
-                                    </p:set>
-                                    <p:animEffect transition="in" filter="fade">
-                                      <p:cBhvr>
-                                        <p:cTn id="7" dur="500"/>
-                                        <p:tgtEl>
-                                          <p:spTgt spid="847875"/>
-                                        </p:tgtEl>
-                                      </p:cBhvr>
-                                    </p:animEffect>
-                                  </p:childTnLst>
-                                </p:cTn>
-                              </p:par>
-                            </p:childTnLst>
-                          </p:cTn>
-                        </p:par>
-                      </p:childTnLst>
-                    </p:cTn>
-                  </p:par>
-                </p:childTnLst>
-              </p:cTn>
-              <p:prevCondLst>
-                <p:cond evt="onPrev" delay="0">
-                  <p:tgtEl>
-                    <p:sldTgt/>
-                  </p:tgtEl>
-                </p:cond>
-              </p:prevCondLst>
-              <p:nextCondLst>
-                <p:cond evt="onNext" delay="0">
-                  <p:tgtEl>
-                    <p:sldTgt/>
-                  </p:tgtEl>
-                </p:cond>
-              </p:nextCondLst>
-            </p:seq>
-          </p:childTnLst>
-        </p:cTn>
-      </p:par>
-    </p:tnLst>
-  </p:timing>
 </p:sld>
 </file>
 
